--- a/bdd.pptx
+++ b/bdd.pptx
@@ -105,6 +105,11 @@
       </a:defRPr>
     </a:lvl9pPr>
   </p:defaultTextStyle>
+  <p:extLst>
+    <p:ext uri="{EFAFB233-063F-42B5-8137-9DF3F51BA10A}">
+      <p15:sldGuideLst xmlns:p15="http://schemas.microsoft.com/office/powerpoint/2012/main"/>
+    </p:ext>
+  </p:extLst>
 </p:presentation>
 </file>
 
@@ -255,7 +260,7 @@
           <a:p>
             <a:fld id="{347F0716-74E1-4B16-AC26-A5F306D25C75}" type="datetimeFigureOut">
               <a:rPr lang="fr-FR" smtClean="0"/>
-              <a:t>21/12/2022</a:t>
+              <a:t>05/01/2023</a:t>
             </a:fld>
             <a:endParaRPr lang="fr-FR"/>
           </a:p>
@@ -453,7 +458,7 @@
           <a:p>
             <a:fld id="{347F0716-74E1-4B16-AC26-A5F306D25C75}" type="datetimeFigureOut">
               <a:rPr lang="fr-FR" smtClean="0"/>
-              <a:t>21/12/2022</a:t>
+              <a:t>05/01/2023</a:t>
             </a:fld>
             <a:endParaRPr lang="fr-FR"/>
           </a:p>
@@ -661,7 +666,7 @@
           <a:p>
             <a:fld id="{347F0716-74E1-4B16-AC26-A5F306D25C75}" type="datetimeFigureOut">
               <a:rPr lang="fr-FR" smtClean="0"/>
-              <a:t>21/12/2022</a:t>
+              <a:t>05/01/2023</a:t>
             </a:fld>
             <a:endParaRPr lang="fr-FR"/>
           </a:p>
@@ -859,7 +864,7 @@
           <a:p>
             <a:fld id="{347F0716-74E1-4B16-AC26-A5F306D25C75}" type="datetimeFigureOut">
               <a:rPr lang="fr-FR" smtClean="0"/>
-              <a:t>21/12/2022</a:t>
+              <a:t>05/01/2023</a:t>
             </a:fld>
             <a:endParaRPr lang="fr-FR"/>
           </a:p>
@@ -1134,7 +1139,7 @@
           <a:p>
             <a:fld id="{347F0716-74E1-4B16-AC26-A5F306D25C75}" type="datetimeFigureOut">
               <a:rPr lang="fr-FR" smtClean="0"/>
-              <a:t>21/12/2022</a:t>
+              <a:t>05/01/2023</a:t>
             </a:fld>
             <a:endParaRPr lang="fr-FR"/>
           </a:p>
@@ -1399,7 +1404,7 @@
           <a:p>
             <a:fld id="{347F0716-74E1-4B16-AC26-A5F306D25C75}" type="datetimeFigureOut">
               <a:rPr lang="fr-FR" smtClean="0"/>
-              <a:t>21/12/2022</a:t>
+              <a:t>05/01/2023</a:t>
             </a:fld>
             <a:endParaRPr lang="fr-FR"/>
           </a:p>
@@ -1811,7 +1816,7 @@
           <a:p>
             <a:fld id="{347F0716-74E1-4B16-AC26-A5F306D25C75}" type="datetimeFigureOut">
               <a:rPr lang="fr-FR" smtClean="0"/>
-              <a:t>21/12/2022</a:t>
+              <a:t>05/01/2023</a:t>
             </a:fld>
             <a:endParaRPr lang="fr-FR"/>
           </a:p>
@@ -1952,7 +1957,7 @@
           <a:p>
             <a:fld id="{347F0716-74E1-4B16-AC26-A5F306D25C75}" type="datetimeFigureOut">
               <a:rPr lang="fr-FR" smtClean="0"/>
-              <a:t>21/12/2022</a:t>
+              <a:t>05/01/2023</a:t>
             </a:fld>
             <a:endParaRPr lang="fr-FR"/>
           </a:p>
@@ -2065,7 +2070,7 @@
           <a:p>
             <a:fld id="{347F0716-74E1-4B16-AC26-A5F306D25C75}" type="datetimeFigureOut">
               <a:rPr lang="fr-FR" smtClean="0"/>
-              <a:t>21/12/2022</a:t>
+              <a:t>05/01/2023</a:t>
             </a:fld>
             <a:endParaRPr lang="fr-FR"/>
           </a:p>
@@ -2376,7 +2381,7 @@
           <a:p>
             <a:fld id="{347F0716-74E1-4B16-AC26-A5F306D25C75}" type="datetimeFigureOut">
               <a:rPr lang="fr-FR" smtClean="0"/>
-              <a:t>21/12/2022</a:t>
+              <a:t>05/01/2023</a:t>
             </a:fld>
             <a:endParaRPr lang="fr-FR"/>
           </a:p>
@@ -2664,7 +2669,7 @@
           <a:p>
             <a:fld id="{347F0716-74E1-4B16-AC26-A5F306D25C75}" type="datetimeFigureOut">
               <a:rPr lang="fr-FR" smtClean="0"/>
-              <a:t>21/12/2022</a:t>
+              <a:t>05/01/2023</a:t>
             </a:fld>
             <a:endParaRPr lang="fr-FR"/>
           </a:p>
@@ -2905,7 +2910,7 @@
           <a:p>
             <a:fld id="{347F0716-74E1-4B16-AC26-A5F306D25C75}" type="datetimeFigureOut">
               <a:rPr lang="fr-FR" smtClean="0"/>
-              <a:t>21/12/2022</a:t>
+              <a:t>05/01/2023</a:t>
             </a:fld>
             <a:endParaRPr lang="fr-FR"/>
           </a:p>
@@ -3417,7 +3422,7 @@
         <p:spPr>
           <a:xfrm>
             <a:off x="4524366" y="2664618"/>
-            <a:ext cx="2371725" cy="2228851"/>
+            <a:ext cx="2371725" cy="2421732"/>
           </a:xfrm>
           <a:prstGeom prst="rect">
             <a:avLst/>
@@ -3528,7 +3533,7 @@
         <p:spPr>
           <a:xfrm>
             <a:off x="4486267" y="2664618"/>
-            <a:ext cx="2371724" cy="2677656"/>
+            <a:ext cx="2371724" cy="2893100"/>
           </a:xfrm>
           <a:prstGeom prst="rect">
             <a:avLst/>
@@ -3549,7 +3554,7 @@
           <a:p>
             <a:r>
               <a:rPr lang="fr-FR" sz="1400" dirty="0"/>
-              <a:t>#Id_type (pour parc ou hôtel)</a:t>
+              <a:t>#Id_produit (pour parc ou hôtel)</a:t>
             </a:r>
           </a:p>
           <a:p>
@@ -4042,7 +4047,7 @@
                   <a:schemeClr val="tx1"/>
                 </a:solidFill>
               </a:rPr>
-              <a:t>Type</a:t>
+              <a:t>Produit</a:t>
             </a:r>
           </a:p>
         </p:txBody>
@@ -4077,13 +4082,13 @@
           <a:p>
             <a:r>
               <a:rPr lang="fr-FR" sz="1400" dirty="0"/>
-              <a:t>#Id_type</a:t>
+              <a:t>#Id_produit</a:t>
             </a:r>
           </a:p>
           <a:p>
             <a:r>
               <a:rPr lang="fr-FR" sz="1400" dirty="0"/>
-              <a:t>Type</a:t>
+              <a:t>Produit</a:t>
             </a:r>
           </a:p>
           <a:p>
@@ -4985,6 +4990,408 @@
         <p:spPr>
           <a:xfrm>
             <a:off x="6896090" y="3643663"/>
+            <a:ext cx="1847853" cy="936201"/>
+          </a:xfrm>
+          <a:prstGeom prst="straightConnector1">
+            <a:avLst/>
+          </a:prstGeom>
+          <a:ln>
+            <a:tailEnd type="triangle"/>
+          </a:ln>
+        </p:spPr>
+        <p:style>
+          <a:lnRef idx="1">
+            <a:schemeClr val="accent1"/>
+          </a:lnRef>
+          <a:fillRef idx="0">
+            <a:schemeClr val="accent1"/>
+          </a:fillRef>
+          <a:effectRef idx="0">
+            <a:schemeClr val="accent1"/>
+          </a:effectRef>
+          <a:fontRef idx="minor">
+            <a:schemeClr val="tx1"/>
+          </a:fontRef>
+        </p:style>
+      </p:cxnSp>
+      <p:sp>
+        <p:nvSpPr>
+          <p:cNvPr id="3" name="Rectangle 2">
+            <a:extLst>
+              <a:ext uri="{FF2B5EF4-FFF2-40B4-BE49-F238E27FC236}">
+                <a16:creationId xmlns:a16="http://schemas.microsoft.com/office/drawing/2014/main" id="{602EB8B2-FD57-40CC-5886-E6FDF066EB7A}"/>
+              </a:ext>
+            </a:extLst>
+          </p:cNvPr>
+          <p:cNvSpPr/>
+          <p:nvPr/>
+        </p:nvSpPr>
+        <p:spPr>
+          <a:xfrm>
+            <a:off x="809617" y="5918476"/>
+            <a:ext cx="2371725" cy="676276"/>
+          </a:xfrm>
+          <a:prstGeom prst="rect">
+            <a:avLst/>
+          </a:prstGeom>
+          <a:noFill/>
+          <a:ln w="19050">
+            <a:solidFill>
+              <a:schemeClr val="tx1"/>
+            </a:solidFill>
+          </a:ln>
+        </p:spPr>
+        <p:style>
+          <a:lnRef idx="2">
+            <a:schemeClr val="accent1">
+              <a:shade val="50000"/>
+            </a:schemeClr>
+          </a:lnRef>
+          <a:fillRef idx="1">
+            <a:schemeClr val="accent1"/>
+          </a:fillRef>
+          <a:effectRef idx="0">
+            <a:schemeClr val="accent1"/>
+          </a:effectRef>
+          <a:fontRef idx="minor">
+            <a:schemeClr val="lt1"/>
+          </a:fontRef>
+        </p:style>
+        <p:txBody>
+          <a:bodyPr rtlCol="0" anchor="ctr"/>
+          <a:lstStyle/>
+          <a:p>
+            <a:pPr algn="ctr"/>
+            <a:endParaRPr lang="fr-FR" dirty="0"/>
+          </a:p>
+        </p:txBody>
+      </p:sp>
+      <p:sp>
+        <p:nvSpPr>
+          <p:cNvPr id="4" name="Rectangle 3">
+            <a:extLst>
+              <a:ext uri="{FF2B5EF4-FFF2-40B4-BE49-F238E27FC236}">
+                <a16:creationId xmlns:a16="http://schemas.microsoft.com/office/drawing/2014/main" id="{D12A1628-5BAE-5387-908C-D1CFE49BE174}"/>
+              </a:ext>
+            </a:extLst>
+          </p:cNvPr>
+          <p:cNvSpPr/>
+          <p:nvPr/>
+        </p:nvSpPr>
+        <p:spPr>
+          <a:xfrm>
+            <a:off x="809618" y="5313639"/>
+            <a:ext cx="2371725" cy="604838"/>
+          </a:xfrm>
+          <a:prstGeom prst="rect">
+            <a:avLst/>
+          </a:prstGeom>
+          <a:noFill/>
+          <a:ln w="19050">
+            <a:solidFill>
+              <a:schemeClr val="tx1"/>
+            </a:solidFill>
+          </a:ln>
+        </p:spPr>
+        <p:style>
+          <a:lnRef idx="2">
+            <a:schemeClr val="accent1">
+              <a:shade val="50000"/>
+            </a:schemeClr>
+          </a:lnRef>
+          <a:fillRef idx="1">
+            <a:schemeClr val="accent1"/>
+          </a:fillRef>
+          <a:effectRef idx="0">
+            <a:schemeClr val="accent1"/>
+          </a:effectRef>
+          <a:fontRef idx="minor">
+            <a:schemeClr val="lt1"/>
+          </a:fontRef>
+        </p:style>
+        <p:txBody>
+          <a:bodyPr rtlCol="0" anchor="ctr"/>
+          <a:lstStyle/>
+          <a:p>
+            <a:pPr algn="ctr"/>
+            <a:r>
+              <a:rPr lang="fr-FR" dirty="0">
+                <a:solidFill>
+                  <a:schemeClr val="tx1"/>
+                </a:solidFill>
+              </a:rPr>
+              <a:t>Présence photo</a:t>
+            </a:r>
+          </a:p>
+        </p:txBody>
+      </p:sp>
+      <p:sp>
+        <p:nvSpPr>
+          <p:cNvPr id="6" name="ZoneTexte 5">
+            <a:extLst>
+              <a:ext uri="{FF2B5EF4-FFF2-40B4-BE49-F238E27FC236}">
+                <a16:creationId xmlns:a16="http://schemas.microsoft.com/office/drawing/2014/main" id="{F587B27F-53E9-51E5-7AC9-E30AEA2E66EA}"/>
+              </a:ext>
+            </a:extLst>
+          </p:cNvPr>
+          <p:cNvSpPr txBox="1"/>
+          <p:nvPr/>
+        </p:nvSpPr>
+        <p:spPr>
+          <a:xfrm>
+            <a:off x="809615" y="5898568"/>
+            <a:ext cx="2371724" cy="954107"/>
+          </a:xfrm>
+          <a:prstGeom prst="rect">
+            <a:avLst/>
+          </a:prstGeom>
+          <a:noFill/>
+        </p:spPr>
+        <p:txBody>
+          <a:bodyPr wrap="square">
+            <a:spAutoFit/>
+          </a:bodyPr>
+          <a:lstStyle/>
+          <a:p>
+            <a:r>
+              <a:rPr lang="fr-FR" sz="1400" dirty="0"/>
+              <a:t>#Id_photo</a:t>
+            </a:r>
+          </a:p>
+          <a:p>
+            <a:r>
+              <a:rPr lang="fr-FR" sz="1400" dirty="0"/>
+              <a:t>Presence_photo</a:t>
+            </a:r>
+          </a:p>
+          <a:p>
+            <a:endParaRPr lang="fr-FR" sz="1400" dirty="0"/>
+          </a:p>
+          <a:p>
+            <a:endParaRPr lang="fr-FR" sz="1400" dirty="0"/>
+          </a:p>
+        </p:txBody>
+      </p:sp>
+      <p:sp>
+        <p:nvSpPr>
+          <p:cNvPr id="8" name="Rectangle 7">
+            <a:extLst>
+              <a:ext uri="{FF2B5EF4-FFF2-40B4-BE49-F238E27FC236}">
+                <a16:creationId xmlns:a16="http://schemas.microsoft.com/office/drawing/2014/main" id="{C0374BE7-4F06-BD77-2406-3AC375CE93E0}"/>
+              </a:ext>
+            </a:extLst>
+          </p:cNvPr>
+          <p:cNvSpPr/>
+          <p:nvPr/>
+        </p:nvSpPr>
+        <p:spPr>
+          <a:xfrm>
+            <a:off x="8743940" y="5939131"/>
+            <a:ext cx="2371725" cy="676276"/>
+          </a:xfrm>
+          <a:prstGeom prst="rect">
+            <a:avLst/>
+          </a:prstGeom>
+          <a:noFill/>
+          <a:ln w="19050">
+            <a:solidFill>
+              <a:schemeClr val="tx1"/>
+            </a:solidFill>
+          </a:ln>
+        </p:spPr>
+        <p:style>
+          <a:lnRef idx="2">
+            <a:schemeClr val="accent1">
+              <a:shade val="50000"/>
+            </a:schemeClr>
+          </a:lnRef>
+          <a:fillRef idx="1">
+            <a:schemeClr val="accent1"/>
+          </a:fillRef>
+          <a:effectRef idx="0">
+            <a:schemeClr val="accent1"/>
+          </a:effectRef>
+          <a:fontRef idx="minor">
+            <a:schemeClr val="lt1"/>
+          </a:fontRef>
+        </p:style>
+        <p:txBody>
+          <a:bodyPr rtlCol="0" anchor="ctr"/>
+          <a:lstStyle/>
+          <a:p>
+            <a:pPr algn="ctr"/>
+            <a:endParaRPr lang="fr-FR" dirty="0"/>
+          </a:p>
+        </p:txBody>
+      </p:sp>
+      <p:sp>
+        <p:nvSpPr>
+          <p:cNvPr id="31" name="Rectangle 30">
+            <a:extLst>
+              <a:ext uri="{FF2B5EF4-FFF2-40B4-BE49-F238E27FC236}">
+                <a16:creationId xmlns:a16="http://schemas.microsoft.com/office/drawing/2014/main" id="{A7CAB52C-A4ED-926A-0DD0-9CFA9A87AF7D}"/>
+              </a:ext>
+            </a:extLst>
+          </p:cNvPr>
+          <p:cNvSpPr/>
+          <p:nvPr/>
+        </p:nvSpPr>
+        <p:spPr>
+          <a:xfrm>
+            <a:off x="8743941" y="5334294"/>
+            <a:ext cx="2371725" cy="604838"/>
+          </a:xfrm>
+          <a:prstGeom prst="rect">
+            <a:avLst/>
+          </a:prstGeom>
+          <a:noFill/>
+          <a:ln w="19050">
+            <a:solidFill>
+              <a:schemeClr val="tx1"/>
+            </a:solidFill>
+          </a:ln>
+        </p:spPr>
+        <p:style>
+          <a:lnRef idx="2">
+            <a:schemeClr val="accent1">
+              <a:shade val="50000"/>
+            </a:schemeClr>
+          </a:lnRef>
+          <a:fillRef idx="1">
+            <a:schemeClr val="accent1"/>
+          </a:fillRef>
+          <a:effectRef idx="0">
+            <a:schemeClr val="accent1"/>
+          </a:effectRef>
+          <a:fontRef idx="minor">
+            <a:schemeClr val="lt1"/>
+          </a:fontRef>
+        </p:style>
+        <p:txBody>
+          <a:bodyPr rtlCol="0" anchor="ctr"/>
+          <a:lstStyle/>
+          <a:p>
+            <a:pPr algn="ctr"/>
+            <a:r>
+              <a:rPr lang="fr-FR" dirty="0" err="1">
+                <a:solidFill>
+                  <a:schemeClr val="tx1"/>
+                </a:solidFill>
+              </a:rPr>
+              <a:t>Lieu_disney</a:t>
+            </a:r>
+            <a:endParaRPr lang="fr-FR" dirty="0">
+              <a:solidFill>
+                <a:schemeClr val="tx1"/>
+              </a:solidFill>
+            </a:endParaRPr>
+          </a:p>
+        </p:txBody>
+      </p:sp>
+      <p:sp>
+        <p:nvSpPr>
+          <p:cNvPr id="33" name="ZoneTexte 32">
+            <a:extLst>
+              <a:ext uri="{FF2B5EF4-FFF2-40B4-BE49-F238E27FC236}">
+                <a16:creationId xmlns:a16="http://schemas.microsoft.com/office/drawing/2014/main" id="{042F3B02-7C07-19E2-9414-B5CB3BEE4973}"/>
+              </a:ext>
+            </a:extLst>
+          </p:cNvPr>
+          <p:cNvSpPr txBox="1"/>
+          <p:nvPr/>
+        </p:nvSpPr>
+        <p:spPr>
+          <a:xfrm>
+            <a:off x="8743937" y="5932932"/>
+            <a:ext cx="2371724" cy="954107"/>
+          </a:xfrm>
+          <a:prstGeom prst="rect">
+            <a:avLst/>
+          </a:prstGeom>
+          <a:noFill/>
+        </p:spPr>
+        <p:txBody>
+          <a:bodyPr wrap="square">
+            <a:spAutoFit/>
+          </a:bodyPr>
+          <a:lstStyle/>
+          <a:p>
+            <a:r>
+              <a:rPr lang="fr-FR" sz="1400" dirty="0"/>
+              <a:t>#Id_lieux_disney</a:t>
+            </a:r>
+          </a:p>
+          <a:p>
+            <a:r>
+              <a:rPr lang="fr-FR" sz="1400" dirty="0" err="1"/>
+              <a:t>Lieux_disney</a:t>
+            </a:r>
+            <a:endParaRPr lang="fr-FR" sz="1400" dirty="0"/>
+          </a:p>
+          <a:p>
+            <a:endParaRPr lang="fr-FR" sz="1400" dirty="0"/>
+          </a:p>
+          <a:p>
+            <a:endParaRPr lang="fr-FR" sz="1400" dirty="0"/>
+          </a:p>
+        </p:txBody>
+      </p:sp>
+      <p:cxnSp>
+        <p:nvCxnSpPr>
+          <p:cNvPr id="35" name="Connecteur droit avec flèche 34">
+            <a:extLst>
+              <a:ext uri="{FF2B5EF4-FFF2-40B4-BE49-F238E27FC236}">
+                <a16:creationId xmlns:a16="http://schemas.microsoft.com/office/drawing/2014/main" id="{746BE302-AC58-37A6-721C-5402D87C6132}"/>
+              </a:ext>
+            </a:extLst>
+          </p:cNvPr>
+          <p:cNvCxnSpPr>
+            <a:cxnSpLocks/>
+          </p:cNvCxnSpPr>
+          <p:nvPr/>
+        </p:nvCxnSpPr>
+        <p:spPr>
+          <a:xfrm flipH="1">
+            <a:off x="3219446" y="4534611"/>
+            <a:ext cx="1304918" cy="1102102"/>
+          </a:xfrm>
+          <a:prstGeom prst="straightConnector1">
+            <a:avLst/>
+          </a:prstGeom>
+          <a:ln>
+            <a:tailEnd type="triangle"/>
+          </a:ln>
+        </p:spPr>
+        <p:style>
+          <a:lnRef idx="1">
+            <a:schemeClr val="accent1"/>
+          </a:lnRef>
+          <a:fillRef idx="0">
+            <a:schemeClr val="accent1"/>
+          </a:fillRef>
+          <a:effectRef idx="0">
+            <a:schemeClr val="accent1"/>
+          </a:effectRef>
+          <a:fontRef idx="minor">
+            <a:schemeClr val="tx1"/>
+          </a:fontRef>
+        </p:style>
+      </p:cxnSp>
+      <p:cxnSp>
+        <p:nvCxnSpPr>
+          <p:cNvPr id="39" name="Connecteur droit avec flèche 38">
+            <a:extLst>
+              <a:ext uri="{FF2B5EF4-FFF2-40B4-BE49-F238E27FC236}">
+                <a16:creationId xmlns:a16="http://schemas.microsoft.com/office/drawing/2014/main" id="{10120D0E-4822-A915-6D67-05D5FC113321}"/>
+              </a:ext>
+            </a:extLst>
+          </p:cNvPr>
+          <p:cNvCxnSpPr/>
+          <p:nvPr/>
+        </p:nvCxnSpPr>
+        <p:spPr>
+          <a:xfrm>
+            <a:off x="6896084" y="4892157"/>
             <a:ext cx="1847853" cy="936201"/>
           </a:xfrm>
           <a:prstGeom prst="straightConnector1">
